--- a/week_03/ethics_project/warfare_ethics_project.pptx
+++ b/week_03/ethics_project/warfare_ethics_project.pptx
@@ -20543,7 +20543,7 @@
               <a:buNone/>
             </a:pPr>
             <a:r>
-              <a:rPr lang="en-GB" sz="3200" b="1">
+              <a:rPr lang="en-GB" sz="3200" b="1" dirty="0">
                 <a:solidFill>
                   <a:srgbClr val="FFFFFF"/>
                 </a:solidFill>
@@ -20551,21 +20551,21 @@
               <a:t>Autonomous warfare:</a:t>
             </a:r>
             <a:br>
-              <a:rPr lang="en-GB" sz="3200" b="1">
+              <a:rPr lang="en-GB" sz="3200" b="1" dirty="0">
                 <a:solidFill>
                   <a:srgbClr val="FFFFFF"/>
                 </a:solidFill>
               </a:rPr>
             </a:br>
             <a:r>
-              <a:rPr lang="en-GB" sz="3200" b="1">
+              <a:rPr lang="en-GB" sz="3200" b="1" dirty="0">
                 <a:solidFill>
                   <a:srgbClr val="FFFFFF"/>
                 </a:solidFill>
               </a:rPr>
               <a:t>Are there ever situations where it could be condoned?</a:t>
             </a:r>
-            <a:endParaRPr sz="1100" b="1"/>
+            <a:endParaRPr sz="1100" b="1" dirty="0"/>
           </a:p>
         </p:txBody>
       </p:sp>
@@ -20817,15 +20817,7 @@
             </a:pPr>
             <a:r>
               <a:rPr lang="en-GB" sz="700" dirty="0"/>
-              <a:t>Acheson, R., Conboy, </a:t>
-            </a:r>
-            <a:r>
-              <a:rPr lang="en-GB" sz="700"/>
-              <a:t>C. </a:t>
-            </a:r>
-            <a:r>
-              <a:rPr lang="en-GB" sz="700" dirty="0"/>
-              <a:t>et. Al (202AD). </a:t>
+              <a:t>Acheson, R., Conboy, C. et. Al (202AD). </a:t>
             </a:r>
             <a:r>
               <a:rPr lang="en-GB" sz="700" i="1" dirty="0"/>
@@ -21750,14 +21742,14 @@
               <a:buChar char="•"/>
             </a:pPr>
             <a:r>
-              <a:rPr lang="en-GB" sz="1700"/>
+              <a:rPr lang="en-GB" sz="1700" dirty="0"/>
               <a:t>Autonomous warfare is the use of robotic systems that are able to select and attack targets </a:t>
             </a:r>
             <a:r>
-              <a:rPr lang="en-GB" sz="1700" b="1"/>
+              <a:rPr lang="en-GB" sz="1700" b="1" dirty="0"/>
               <a:t>without a human operator.</a:t>
             </a:r>
-            <a:endParaRPr sz="1400" b="1"/>
+            <a:endParaRPr sz="1400" b="1" dirty="0"/>
           </a:p>
           <a:p>
             <a:pPr marL="177800" lvl="0" indent="-88900" algn="l" rtl="0">
@@ -21776,7 +21768,7 @@
               <a:buSzPts val="1400"/>
               <a:buNone/>
             </a:pPr>
-            <a:endParaRPr sz="1400"/>
+            <a:endParaRPr sz="1400" dirty="0"/>
           </a:p>
         </p:txBody>
       </p:sp>
@@ -21797,6 +21789,88 @@
       </p:transition>
     </mc:Fallback>
   </mc:AlternateContent>
+  <p:timing>
+    <p:tnLst>
+      <p:par>
+        <p:cTn id="1" dur="indefinite" restart="never" nodeType="tmRoot">
+          <p:childTnLst>
+            <p:seq concurrent="1" nextAc="seek">
+              <p:cTn id="2" dur="indefinite" nodeType="mainSeq">
+                <p:childTnLst>
+                  <p:par>
+                    <p:cTn id="3" fill="hold">
+                      <p:stCondLst>
+                        <p:cond delay="indefinite"/>
+                      </p:stCondLst>
+                      <p:childTnLst>
+                        <p:par>
+                          <p:cTn id="4" fill="hold">
+                            <p:stCondLst>
+                              <p:cond delay="0"/>
+                            </p:stCondLst>
+                            <p:childTnLst>
+                              <p:par>
+                                <p:cTn id="5" presetID="1" presetClass="entr" presetSubtype="0" fill="hold" grpId="0" nodeType="clickEffect">
+                                  <p:stCondLst>
+                                    <p:cond delay="0"/>
+                                  </p:stCondLst>
+                                  <p:childTnLst>
+                                    <p:set>
+                                      <p:cBhvr>
+                                        <p:cTn id="6" dur="1" fill="hold">
+                                          <p:stCondLst>
+                                            <p:cond delay="0"/>
+                                          </p:stCondLst>
+                                        </p:cTn>
+                                        <p:tgtEl>
+                                          <p:spTgt spid="153">
+                                            <p:txEl>
+                                              <p:pRg st="0" end="0"/>
+                                            </p:txEl>
+                                          </p:spTgt>
+                                        </p:tgtEl>
+                                        <p:attrNameLst>
+                                          <p:attrName>style.visibility</p:attrName>
+                                        </p:attrNameLst>
+                                      </p:cBhvr>
+                                      <p:to>
+                                        <p:strVal val="visible"/>
+                                      </p:to>
+                                    </p:set>
+                                  </p:childTnLst>
+                                </p:cTn>
+                              </p:par>
+                            </p:childTnLst>
+                          </p:cTn>
+                        </p:par>
+                      </p:childTnLst>
+                    </p:cTn>
+                  </p:par>
+                </p:childTnLst>
+              </p:cTn>
+              <p:prevCondLst>
+                <p:cond evt="onPrev" delay="0">
+                  <p:tgtEl>
+                    <p:sldTgt/>
+                  </p:tgtEl>
+                </p:cond>
+              </p:prevCondLst>
+              <p:nextCondLst>
+                <p:cond evt="onNext" delay="0">
+                  <p:tgtEl>
+                    <p:sldTgt/>
+                  </p:tgtEl>
+                </p:cond>
+              </p:nextCondLst>
+            </p:seq>
+          </p:childTnLst>
+        </p:cTn>
+      </p:par>
+    </p:tnLst>
+    <p:bldLst>
+      <p:bldP spid="153" grpId="0" build="p"/>
+    </p:bldLst>
+  </p:timing>
 </p:sld>
 </file>
 
@@ -23174,7 +23248,11 @@
             </a:pPr>
             <a:r>
               <a:rPr lang="en-GB" sz="1700" dirty="0"/>
-              <a:t>Capable of much faster decision-making, which can be crucial to success in war. </a:t>
+              <a:t>Capable of much faster decision-making, which </a:t>
+            </a:r>
+            <a:r>
+              <a:rPr lang="en-GB" sz="1700"/>
+              <a:t>can save more lives. </a:t>
             </a:r>
             <a:endParaRPr sz="1700" dirty="0"/>
           </a:p>
@@ -24950,16 +25028,16 @@
               </a:spcAft>
             </a:pPr>
             <a:r>
-              <a:rPr lang="en-US" sz="4100" kern="1200">
+              <a:rPr lang="en-US" sz="4100" kern="1200" dirty="0">
                 <a:solidFill>
                   <a:schemeClr val="bg1">
                     <a:lumMod val="95000"/>
                     <a:lumOff val="5000"/>
                   </a:schemeClr>
                 </a:solidFill>
-                <a:latin typeface="+mj-lt"/>
+                <a:latin typeface="Calibri" panose="020F0502020204030204" pitchFamily="34" charset="0"/>
                 <a:ea typeface="+mj-ea"/>
-                <a:cs typeface="+mj-cs"/>
+                <a:cs typeface="Calibri" panose="020F0502020204030204" pitchFamily="34" charset="0"/>
               </a:rPr>
               <a:t>So, are there any situations where autonomous warfare could be condoned? </a:t>
             </a:r>

--- a/week_03/ethics_project/warfare_ethics_project.pptx
+++ b/week_03/ethics_project/warfare_ethics_project.pptx
@@ -927,7 +927,7 @@
               </a:spcAft>
               <a:buNone/>
             </a:pPr>
-            <a:endParaRPr/>
+            <a:endParaRPr dirty="0"/>
           </a:p>
         </p:txBody>
       </p:sp>
@@ -1370,7 +1370,7 @@
               <a:buChar char="•"/>
             </a:pPr>
             <a:r>
-              <a:rPr lang="en-GB" sz="1700">
+              <a:rPr lang="en-GB" sz="1700" dirty="0">
                 <a:solidFill>
                   <a:schemeClr val="lt1"/>
                 </a:solidFill>
@@ -1381,7 +1381,7 @@
               </a:rPr>
               <a:t>Major powers are researching technology from autonomous submarines to automated support weapons</a:t>
             </a:r>
-            <a:endParaRPr sz="1400">
+            <a:endParaRPr sz="1400" dirty="0">
               <a:solidFill>
                 <a:schemeClr val="lt1"/>
               </a:solidFill>
@@ -1409,7 +1409,7 @@
               <a:buChar char="•"/>
             </a:pPr>
             <a:r>
-              <a:rPr lang="en-GB" sz="1700">
+              <a:rPr lang="en-GB" sz="1700" dirty="0">
                 <a:latin typeface="Calibri"/>
                 <a:ea typeface="Calibri"/>
                 <a:cs typeface="Calibri"/>
@@ -1417,7 +1417,7 @@
               </a:rPr>
               <a:t>However, it is the use of drones the size of your hand, which can be deployed in swarms and used to track down and eliminate targets</a:t>
             </a:r>
-            <a:endParaRPr sz="1400">
+            <a:endParaRPr sz="1400" dirty="0">
               <a:latin typeface="Calibri"/>
               <a:ea typeface="Calibri"/>
               <a:cs typeface="Calibri"/>
@@ -1434,7 +1434,7 @@
               </a:spcAft>
               <a:buNone/>
             </a:pPr>
-            <a:endParaRPr/>
+            <a:endParaRPr dirty="0"/>
           </a:p>
         </p:txBody>
       </p:sp>
@@ -1598,7 +1598,7 @@
               </a:spcAft>
               <a:buNone/>
             </a:pPr>
-            <a:endParaRPr/>
+            <a:endParaRPr dirty="0"/>
           </a:p>
         </p:txBody>
       </p:sp>
@@ -2042,7 +2042,7 @@
                 <a:cs typeface="Calibri"/>
                 <a:sym typeface="Calibri"/>
               </a:rPr>
-              <a:t>Differencing between legitimate targets will need to be addressed, not just between military and civilian – how can you surrender to a robot?</a:t>
+              <a:t>Differencing between legitimate targets will need to be addressed, not just between military and civilian but combatant and hors de combat – how can you surrender to a robot?</a:t>
             </a:r>
             <a:endParaRPr sz="1400" dirty="0">
               <a:solidFill>
@@ -20817,7 +20817,7 @@
             </a:pPr>
             <a:r>
               <a:rPr lang="en-GB" sz="700" dirty="0"/>
-              <a:t>Acheson, R., Conboy, C. et. Al (202AD). </a:t>
+              <a:t>Acheson, R., Conboy, C. et. Al (2020). </a:t>
             </a:r>
             <a:r>
               <a:rPr lang="en-GB" sz="700" i="1" dirty="0"/>
@@ -20846,29 +20846,16 @@
             <a:endParaRPr sz="1200" dirty="0"/>
           </a:p>
           <a:p>
-            <a:pPr marL="177800" lvl="0" indent="-184150" algn="l" rtl="0">
-              <a:lnSpc>
-                <a:spcPct val="90000"/>
-              </a:lnSpc>
-              <a:spcBef>
-                <a:spcPts val="800"/>
-              </a:spcBef>
-              <a:spcAft>
-                <a:spcPts val="0"/>
-              </a:spcAft>
-              <a:buClr>
-                <a:schemeClr val="dk1"/>
-              </a:buClr>
+            <a:pPr marL="177800" indent="-184150">
               <a:buSzPts val="700"/>
-              <a:buChar char="•"/>
             </a:pPr>
             <a:r>
               <a:rPr lang="en-GB" sz="700" dirty="0"/>
-              <a:t>Arkin, R., Russell, S. and Min-Seok, K. (2018). </a:t>
+              <a:t>Arkin, R., Russell, S. and Min-Seok, K. (2018). The new weapons of mass destruction?, </a:t>
             </a:r>
             <a:r>
               <a:rPr lang="en-GB" sz="700" i="1" dirty="0"/>
-              <a:t>The Security Times The Security Times</a:t>
+              <a:t>The Security Times</a:t>
             </a:r>
             <a:r>
               <a:rPr lang="en-GB" sz="700" dirty="0"/>
@@ -21358,7 +21345,7 @@
             </a:r>
             <a:r>
               <a:rPr lang="en-GB" sz="700" dirty="0"/>
-              <a:t>. New York: W.W. Norton &amp; Company, . ©218.</a:t>
+              <a:t>. New York: W.W. Norton &amp; Company, . ©2018.</a:t>
             </a:r>
             <a:endParaRPr sz="1200" dirty="0"/>
           </a:p>
@@ -23248,11 +23235,7 @@
             </a:pPr>
             <a:r>
               <a:rPr lang="en-GB" sz="1700" dirty="0"/>
-              <a:t>Capable of much faster decision-making, which </a:t>
-            </a:r>
-            <a:r>
-              <a:rPr lang="en-GB" sz="1700"/>
-              <a:t>can save more lives. </a:t>
+              <a:t>Capable of much faster decision-making, which can save more lives. </a:t>
             </a:r>
             <a:endParaRPr sz="1700" dirty="0"/>
           </a:p>
@@ -25318,7 +25301,7 @@
           </a:bodyPr>
           <a:lstStyle/>
           <a:p>
-            <a:pPr marL="457200" lvl="0" indent="-317500" algn="l" rtl="0">
+            <a:pPr marL="425450" lvl="0" indent="-285750" algn="l" rtl="0">
               <a:spcBef>
                 <a:spcPts val="0"/>
               </a:spcBef>
@@ -25326,8 +25309,8 @@
                 <a:spcPts val="0"/>
               </a:spcAft>
               <a:buSzPts val="1400"/>
-              <a:buFont typeface="Calibri"/>
-              <a:buChar char="●"/>
+              <a:buFont typeface="Arial" panose="020B0604020202020204" pitchFamily="34" charset="0"/>
+              <a:buChar char="•"/>
             </a:pPr>
             <a:r>
               <a:rPr lang="en-GB" dirty="0">
@@ -25338,15 +25321,9 @@
               </a:rPr>
               <a:t>This technology could be greatly advantageous in supporting soldiers in war, especially identifying enemy positions and collecting information. </a:t>
             </a:r>
-            <a:endParaRPr dirty="0">
-              <a:latin typeface="Calibri"/>
-              <a:ea typeface="Calibri"/>
-              <a:cs typeface="Calibri"/>
-              <a:sym typeface="Calibri"/>
-            </a:endParaRPr>
           </a:p>
           <a:p>
-            <a:pPr marL="457200" lvl="0" indent="-317500" algn="l" rtl="0">
+            <a:pPr marL="425450" lvl="0" indent="-285750" algn="l" rtl="0">
               <a:spcBef>
                 <a:spcPts val="0"/>
               </a:spcBef>
@@ -25354,8 +25331,8 @@
                 <a:spcPts val="0"/>
               </a:spcAft>
               <a:buSzPts val="1400"/>
-              <a:buFont typeface="Calibri"/>
-              <a:buChar char="●"/>
+              <a:buFont typeface="Arial" panose="020B0604020202020204" pitchFamily="34" charset="0"/>
+              <a:buChar char="•"/>
             </a:pPr>
             <a:r>
               <a:rPr lang="en-GB" dirty="0">
@@ -25366,15 +25343,9 @@
               </a:rPr>
               <a:t>There needs to be regulation to address the concerns around the potential issues especially in non-conventional warfare.</a:t>
             </a:r>
-            <a:endParaRPr dirty="0">
-              <a:latin typeface="Calibri"/>
-              <a:ea typeface="Calibri"/>
-              <a:cs typeface="Calibri"/>
-              <a:sym typeface="Calibri"/>
-            </a:endParaRPr>
           </a:p>
           <a:p>
-            <a:pPr marL="457200" lvl="0" indent="-317500" algn="l" rtl="0">
+            <a:pPr marL="425450" lvl="0" indent="-285750" algn="l" rtl="0">
               <a:spcBef>
                 <a:spcPts val="0"/>
               </a:spcBef>
@@ -25382,8 +25353,8 @@
                 <a:spcPts val="0"/>
               </a:spcAft>
               <a:buSzPts val="1400"/>
-              <a:buFont typeface="Calibri"/>
-              <a:buChar char="●"/>
+              <a:buFont typeface="Arial" panose="020B0604020202020204" pitchFamily="34" charset="0"/>
+              <a:buChar char="•"/>
             </a:pPr>
             <a:r>
               <a:rPr lang="en-GB" dirty="0">
@@ -25394,15 +25365,9 @@
               </a:rPr>
               <a:t>Like WMDs, this can act as a useful deterrent against countries developing similar technology. </a:t>
             </a:r>
-            <a:endParaRPr dirty="0">
-              <a:latin typeface="Calibri"/>
-              <a:ea typeface="Calibri"/>
-              <a:cs typeface="Calibri"/>
-              <a:sym typeface="Calibri"/>
-            </a:endParaRPr>
           </a:p>
           <a:p>
-            <a:pPr marL="457200" lvl="0" indent="-317500" algn="l" rtl="0">
+            <a:pPr marL="425450" lvl="0" indent="-285750" algn="l" rtl="0">
               <a:spcBef>
                 <a:spcPts val="0"/>
               </a:spcBef>
@@ -25410,8 +25375,8 @@
                 <a:spcPts val="0"/>
               </a:spcAft>
               <a:buSzPts val="1400"/>
-              <a:buFont typeface="Calibri"/>
-              <a:buChar char="●"/>
+              <a:buFont typeface="Arial" panose="020B0604020202020204" pitchFamily="34" charset="0"/>
+              <a:buChar char="•"/>
             </a:pPr>
             <a:r>
               <a:rPr lang="en-GB" dirty="0">
@@ -25751,7 +25716,7 @@
               <a:buChar char="•"/>
             </a:pPr>
             <a:r>
-              <a:rPr lang="en-GB" sz="1500" u="sng">
+              <a:rPr lang="en-GB" sz="1500" u="sng" dirty="0">
                 <a:solidFill>
                   <a:schemeClr val="hlink"/>
                 </a:solidFill>
@@ -25760,7 +25725,7 @@
               <a:t>O</a:t>
             </a:r>
             <a:r>
-              <a:rPr lang="en-GB" sz="1500" u="sng">
+              <a:rPr lang="en-GB" sz="1500" u="sng" dirty="0">
                 <a:solidFill>
                   <a:schemeClr val="hlink"/>
                 </a:solidFill>
@@ -25769,10 +25734,10 @@
               <a:t>rganisation established to ban fully autonomous weapons</a:t>
             </a:r>
             <a:r>
-              <a:rPr lang="en-GB" sz="1500"/>
+              <a:rPr lang="en-GB" sz="1500" dirty="0"/>
               <a:t>.</a:t>
             </a:r>
-            <a:endParaRPr sz="1500"/>
+            <a:endParaRPr sz="1500" dirty="0"/>
           </a:p>
           <a:p>
             <a:pPr marL="177800" lvl="0" indent="-209550" algn="l" rtl="0">
@@ -25792,7 +25757,7 @@
               <a:buChar char="•"/>
             </a:pPr>
             <a:r>
-              <a:rPr lang="en-GB" sz="1500" u="sng">
+              <a:rPr lang="en-GB" sz="1500" u="sng" dirty="0">
                 <a:solidFill>
                   <a:schemeClr val="hlink"/>
                 </a:solidFill>
@@ -25801,14 +25766,14 @@
               <a:t>Slaughterbots</a:t>
             </a:r>
             <a:r>
-              <a:rPr lang="en-GB" sz="1500">
+              <a:rPr lang="en-GB" sz="1500" dirty="0">
                 <a:solidFill>
                   <a:srgbClr val="000000"/>
                 </a:solidFill>
               </a:rPr>
               <a:t> - (2017) Film depicting the use of AI and facial recognition to assassinate political opponents based on pre-programmed criteria.</a:t>
             </a:r>
-            <a:endParaRPr sz="1500"/>
+            <a:endParaRPr sz="1500" dirty="0"/>
           </a:p>
           <a:p>
             <a:pPr marL="177800" lvl="0" indent="-209550" algn="l" rtl="0">
@@ -25828,7 +25793,7 @@
               <a:buChar char="•"/>
             </a:pPr>
             <a:r>
-              <a:rPr lang="en-GB" sz="1500" u="sng">
+              <a:rPr lang="en-GB" sz="1500" u="sng" dirty="0">
                 <a:solidFill>
                   <a:schemeClr val="hlink"/>
                 </a:solidFill>
@@ -25836,7 +25801,7 @@
               </a:rPr>
               <a:t>Slaughterbots official website calling to ban lethal weapons </a:t>
             </a:r>
-            <a:endParaRPr sz="1500"/>
+            <a:endParaRPr sz="1500" dirty="0"/>
           </a:p>
           <a:p>
             <a:pPr marL="177800" lvl="0" indent="-209550" algn="l" rtl="0">
@@ -25856,7 +25821,7 @@
               <a:buChar char="•"/>
             </a:pPr>
             <a:r>
-              <a:rPr lang="en-GB" sz="1500" i="1">
+              <a:rPr lang="en-GB" sz="1500" i="1" dirty="0">
                 <a:solidFill>
                   <a:srgbClr val="000000"/>
                 </a:solidFill>
@@ -25864,14 +25829,30 @@
               <a:t>Army of None: Autonomous Weapons and the Future of War</a:t>
             </a:r>
             <a:r>
-              <a:rPr lang="en-GB" sz="1500">
+              <a:rPr lang="en-GB" sz="1500" dirty="0">
                 <a:solidFill>
                   <a:srgbClr val="000000"/>
                 </a:solidFill>
               </a:rPr>
-              <a:t>, Paul Schare (2018). A book exploring the uses of AI in warfare </a:t>
+              <a:t>, Paul </a:t>
             </a:r>
-            <a:endParaRPr sz="1500"/>
+            <a:r>
+              <a:rPr lang="en-GB" sz="1500" dirty="0" err="1">
+                <a:solidFill>
+                  <a:srgbClr val="000000"/>
+                </a:solidFill>
+              </a:rPr>
+              <a:t>Schare</a:t>
+            </a:r>
+            <a:r>
+              <a:rPr lang="en-GB" sz="1500" dirty="0">
+                <a:solidFill>
+                  <a:srgbClr val="000000"/>
+                </a:solidFill>
+              </a:rPr>
+              <a:t> (2018). A book exploring the uses of AI in warfare </a:t>
+            </a:r>
+            <a:endParaRPr sz="1500" dirty="0"/>
           </a:p>
           <a:p>
             <a:pPr marL="177800" lvl="0" indent="-209550" algn="l" rtl="0">
@@ -25891,11 +25872,11 @@
               <a:buChar char="•"/>
             </a:pPr>
             <a:r>
-              <a:rPr lang="en-GB" sz="1500"/>
+              <a:rPr lang="en-GB" sz="1500" dirty="0"/>
               <a:t>Arms control</a:t>
             </a:r>
             <a:r>
-              <a:rPr lang="en-GB" sz="1500" u="sng">
+              <a:rPr lang="en-GB" sz="1500" u="sng" dirty="0">
                 <a:solidFill>
                   <a:schemeClr val="hlink"/>
                 </a:solidFill>
@@ -25903,7 +25884,7 @@
               </a:rPr>
               <a:t> - A page assessing the debate on arms limitations </a:t>
             </a:r>
-            <a:endParaRPr sz="1500"/>
+            <a:endParaRPr sz="1500" dirty="0"/>
           </a:p>
           <a:p>
             <a:pPr marL="177800" lvl="0" indent="-114300" algn="l" rtl="0">
@@ -25922,7 +25903,7 @@
               <a:buSzPts val="1100"/>
               <a:buNone/>
             </a:pPr>
-            <a:endParaRPr sz="1300">
+            <a:endParaRPr sz="1300" dirty="0">
               <a:solidFill>
                 <a:srgbClr val="000000"/>
               </a:solidFill>
@@ -25945,7 +25926,7 @@
               <a:buSzPts val="1100"/>
               <a:buNone/>
             </a:pPr>
-            <a:endParaRPr sz="1300">
+            <a:endParaRPr sz="1300" dirty="0">
               <a:solidFill>
                 <a:srgbClr val="000000"/>
               </a:solidFill>

--- a/week_03/ethics_project/warfare_ethics_project.pptx
+++ b/week_03/ethics_project/warfare_ethics_project.pptx
@@ -2764,13 +2764,13 @@
   <p:clrMapOvr>
     <a:masterClrMapping/>
   </p:clrMapOvr>
-  <mc:AlternateContent xmlns:mc="http://schemas.openxmlformats.org/markup-compatibility/2006">
-    <mc:Choice xmlns:p14="http://schemas.microsoft.com/office/powerpoint/2010/main" Requires="p14">
+  <mc:AlternateContent xmlns:mc="http://schemas.openxmlformats.org/markup-compatibility/2006" xmlns:p14="http://schemas.microsoft.com/office/powerpoint/2010/main">
+    <mc:Choice Requires="p14">
       <p:transition spd="slow" p14:dur="1600">
         <p14:conveyor dir="l"/>
       </p:transition>
     </mc:Choice>
-    <mc:Fallback>
+    <mc:Fallback xmlns="">
       <p:transition spd="slow">
         <p:fade/>
       </p:transition>
@@ -3140,13 +3140,13 @@
   <p:clrMapOvr>
     <a:masterClrMapping/>
   </p:clrMapOvr>
-  <mc:AlternateContent xmlns:mc="http://schemas.openxmlformats.org/markup-compatibility/2006">
-    <mc:Choice xmlns:p14="http://schemas.microsoft.com/office/powerpoint/2010/main" Requires="p14">
+  <mc:AlternateContent xmlns:mc="http://schemas.openxmlformats.org/markup-compatibility/2006" xmlns:p14="http://schemas.microsoft.com/office/powerpoint/2010/main">
+    <mc:Choice Requires="p14">
       <p:transition spd="slow" p14:dur="1600">
         <p14:conveyor dir="l"/>
       </p:transition>
     </mc:Choice>
-    <mc:Fallback>
+    <mc:Fallback xmlns="">
       <p:transition spd="slow">
         <p:fade/>
       </p:transition>
@@ -3256,13 +3256,13 @@
   <p:clrMapOvr>
     <a:masterClrMapping/>
   </p:clrMapOvr>
-  <mc:AlternateContent xmlns:mc="http://schemas.openxmlformats.org/markup-compatibility/2006">
-    <mc:Choice xmlns:p14="http://schemas.microsoft.com/office/powerpoint/2010/main" Requires="p14">
+  <mc:AlternateContent xmlns:mc="http://schemas.openxmlformats.org/markup-compatibility/2006" xmlns:p14="http://schemas.microsoft.com/office/powerpoint/2010/main">
+    <mc:Choice Requires="p14">
       <p:transition spd="slow" p14:dur="1600">
         <p14:conveyor dir="l"/>
       </p:transition>
     </mc:Choice>
-    <mc:Fallback>
+    <mc:Fallback xmlns="">
       <p:transition spd="slow">
         <p:fade/>
       </p:transition>
@@ -3996,13 +3996,13 @@
   <p:clrMapOvr>
     <a:masterClrMapping/>
   </p:clrMapOvr>
-  <mc:AlternateContent xmlns:mc="http://schemas.openxmlformats.org/markup-compatibility/2006">
-    <mc:Choice xmlns:p14="http://schemas.microsoft.com/office/powerpoint/2010/main" Requires="p14">
+  <mc:AlternateContent xmlns:mc="http://schemas.openxmlformats.org/markup-compatibility/2006" xmlns:p14="http://schemas.microsoft.com/office/powerpoint/2010/main">
+    <mc:Choice Requires="p14">
       <p:transition spd="slow" p14:dur="1600">
         <p14:conveyor dir="l"/>
       </p:transition>
     </mc:Choice>
-    <mc:Fallback>
+    <mc:Fallback xmlns="">
       <p:transition spd="slow">
         <p:fade/>
       </p:transition>
@@ -4735,13 +4735,13 @@
   <p:clrMapOvr>
     <a:masterClrMapping/>
   </p:clrMapOvr>
-  <mc:AlternateContent xmlns:mc="http://schemas.openxmlformats.org/markup-compatibility/2006">
-    <mc:Choice xmlns:p14="http://schemas.microsoft.com/office/powerpoint/2010/main" Requires="p14">
+  <mc:AlternateContent xmlns:mc="http://schemas.openxmlformats.org/markup-compatibility/2006" xmlns:p14="http://schemas.microsoft.com/office/powerpoint/2010/main">
+    <mc:Choice Requires="p14">
       <p:transition spd="slow" p14:dur="1600">
         <p14:conveyor dir="l"/>
       </p:transition>
     </mc:Choice>
-    <mc:Fallback>
+    <mc:Fallback xmlns="">
       <p:transition spd="slow">
         <p:fade/>
       </p:transition>
@@ -5511,13 +5511,13 @@
   <p:clrMapOvr>
     <a:masterClrMapping/>
   </p:clrMapOvr>
-  <mc:AlternateContent xmlns:mc="http://schemas.openxmlformats.org/markup-compatibility/2006">
-    <mc:Choice xmlns:p14="http://schemas.microsoft.com/office/powerpoint/2010/main" Requires="p14">
+  <mc:AlternateContent xmlns:mc="http://schemas.openxmlformats.org/markup-compatibility/2006" xmlns:p14="http://schemas.microsoft.com/office/powerpoint/2010/main">
+    <mc:Choice Requires="p14">
       <p:transition spd="slow" p14:dur="1600">
         <p14:conveyor dir="l"/>
       </p:transition>
     </mc:Choice>
-    <mc:Fallback>
+    <mc:Fallback xmlns="">
       <p:transition spd="slow">
         <p:fade/>
       </p:transition>
@@ -6437,13 +6437,13 @@
   <p:clrMapOvr>
     <a:masterClrMapping/>
   </p:clrMapOvr>
-  <mc:AlternateContent xmlns:mc="http://schemas.openxmlformats.org/markup-compatibility/2006">
-    <mc:Choice xmlns:p14="http://schemas.microsoft.com/office/powerpoint/2010/main" Requires="p14">
+  <mc:AlternateContent xmlns:mc="http://schemas.openxmlformats.org/markup-compatibility/2006" xmlns:p14="http://schemas.microsoft.com/office/powerpoint/2010/main">
+    <mc:Choice Requires="p14">
       <p:transition spd="slow" p14:dur="1600">
         <p14:conveyor dir="l"/>
       </p:transition>
     </mc:Choice>
-    <mc:Fallback>
+    <mc:Fallback xmlns="">
       <p:transition spd="slow">
         <p:fade/>
       </p:transition>
@@ -7737,13 +7737,13 @@
   <p:clrMapOvr>
     <a:masterClrMapping/>
   </p:clrMapOvr>
-  <mc:AlternateContent xmlns:mc="http://schemas.openxmlformats.org/markup-compatibility/2006">
-    <mc:Choice xmlns:p14="http://schemas.microsoft.com/office/powerpoint/2010/main" Requires="p14">
+  <mc:AlternateContent xmlns:mc="http://schemas.openxmlformats.org/markup-compatibility/2006" xmlns:p14="http://schemas.microsoft.com/office/powerpoint/2010/main">
+    <mc:Choice Requires="p14">
       <p:transition spd="slow" p14:dur="1600">
         <p14:conveyor dir="l"/>
       </p:transition>
     </mc:Choice>
-    <mc:Fallback>
+    <mc:Fallback xmlns="">
       <p:transition spd="slow">
         <p:fade/>
       </p:transition>
@@ -8289,13 +8289,13 @@
   <p:clrMapOvr>
     <a:masterClrMapping/>
   </p:clrMapOvr>
-  <mc:AlternateContent xmlns:mc="http://schemas.openxmlformats.org/markup-compatibility/2006">
-    <mc:Choice xmlns:p14="http://schemas.microsoft.com/office/powerpoint/2010/main" Requires="p14">
+  <mc:AlternateContent xmlns:mc="http://schemas.openxmlformats.org/markup-compatibility/2006" xmlns:p14="http://schemas.microsoft.com/office/powerpoint/2010/main">
+    <mc:Choice Requires="p14">
       <p:transition spd="slow" p14:dur="1600">
         <p14:conveyor dir="l"/>
       </p:transition>
     </mc:Choice>
-    <mc:Fallback>
+    <mc:Fallback xmlns="">
       <p:transition spd="slow">
         <p:fade/>
       </p:transition>
@@ -8702,13 +8702,13 @@
   <p:clrMapOvr>
     <a:masterClrMapping/>
   </p:clrMapOvr>
-  <mc:AlternateContent xmlns:mc="http://schemas.openxmlformats.org/markup-compatibility/2006">
-    <mc:Choice xmlns:p14="http://schemas.microsoft.com/office/powerpoint/2010/main" Requires="p14">
+  <mc:AlternateContent xmlns:mc="http://schemas.openxmlformats.org/markup-compatibility/2006" xmlns:p14="http://schemas.microsoft.com/office/powerpoint/2010/main">
+    <mc:Choice Requires="p14">
       <p:transition spd="slow" p14:dur="1600">
         <p14:conveyor dir="l"/>
       </p:transition>
     </mc:Choice>
-    <mc:Fallback>
+    <mc:Fallback xmlns="">
       <p:transition spd="slow">
         <p:fade/>
       </p:transition>
@@ -9629,13 +9629,13 @@
   <p:clrMapOvr>
     <a:masterClrMapping/>
   </p:clrMapOvr>
-  <mc:AlternateContent xmlns:mc="http://schemas.openxmlformats.org/markup-compatibility/2006">
-    <mc:Choice xmlns:p14="http://schemas.microsoft.com/office/powerpoint/2010/main" Requires="p14">
+  <mc:AlternateContent xmlns:mc="http://schemas.openxmlformats.org/markup-compatibility/2006" xmlns:p14="http://schemas.microsoft.com/office/powerpoint/2010/main">
+    <mc:Choice Requires="p14">
       <p:transition spd="slow" p14:dur="1600">
         <p14:conveyor dir="l"/>
       </p:transition>
     </mc:Choice>
-    <mc:Fallback>
+    <mc:Fallback xmlns="">
       <p:transition spd="slow">
         <p:fade/>
       </p:transition>
@@ -9874,13 +9874,13 @@
   <p:clrMapOvr>
     <a:masterClrMapping/>
   </p:clrMapOvr>
-  <mc:AlternateContent xmlns:mc="http://schemas.openxmlformats.org/markup-compatibility/2006">
-    <mc:Choice xmlns:p14="http://schemas.microsoft.com/office/powerpoint/2010/main" Requires="p14">
+  <mc:AlternateContent xmlns:mc="http://schemas.openxmlformats.org/markup-compatibility/2006" xmlns:p14="http://schemas.microsoft.com/office/powerpoint/2010/main">
+    <mc:Choice Requires="p14">
       <p:transition spd="slow" p14:dur="1600">
         <p14:conveyor dir="l"/>
       </p:transition>
     </mc:Choice>
-    <mc:Fallback>
+    <mc:Fallback xmlns="">
       <p:transition spd="slow">
         <p:fade/>
       </p:transition>
@@ -10882,13 +10882,13 @@
   <p:clrMapOvr>
     <a:masterClrMapping/>
   </p:clrMapOvr>
-  <mc:AlternateContent xmlns:mc="http://schemas.openxmlformats.org/markup-compatibility/2006">
-    <mc:Choice xmlns:p14="http://schemas.microsoft.com/office/powerpoint/2010/main" Requires="p14">
+  <mc:AlternateContent xmlns:mc="http://schemas.openxmlformats.org/markup-compatibility/2006" xmlns:p14="http://schemas.microsoft.com/office/powerpoint/2010/main">
+    <mc:Choice Requires="p14">
       <p:transition spd="slow" p14:dur="1600">
         <p14:conveyor dir="l"/>
       </p:transition>
     </mc:Choice>
-    <mc:Fallback>
+    <mc:Fallback xmlns="">
       <p:transition spd="slow">
         <p:fade/>
       </p:transition>
@@ -11621,13 +11621,13 @@
   <p:clrMapOvr>
     <a:masterClrMapping/>
   </p:clrMapOvr>
-  <mc:AlternateContent xmlns:mc="http://schemas.openxmlformats.org/markup-compatibility/2006">
-    <mc:Choice xmlns:p14="http://schemas.microsoft.com/office/powerpoint/2010/main" Requires="p14">
+  <mc:AlternateContent xmlns:mc="http://schemas.openxmlformats.org/markup-compatibility/2006" xmlns:p14="http://schemas.microsoft.com/office/powerpoint/2010/main">
+    <mc:Choice Requires="p14">
       <p:transition spd="slow" p14:dur="1600">
         <p14:conveyor dir="l"/>
       </p:transition>
     </mc:Choice>
-    <mc:Fallback>
+    <mc:Fallback xmlns="">
       <p:transition spd="slow">
         <p:fade/>
       </p:transition>
@@ -12360,13 +12360,13 @@
   <p:clrMapOvr>
     <a:masterClrMapping/>
   </p:clrMapOvr>
-  <mc:AlternateContent xmlns:mc="http://schemas.openxmlformats.org/markup-compatibility/2006">
-    <mc:Choice xmlns:p14="http://schemas.microsoft.com/office/powerpoint/2010/main" Requires="p14">
+  <mc:AlternateContent xmlns:mc="http://schemas.openxmlformats.org/markup-compatibility/2006" xmlns:p14="http://schemas.microsoft.com/office/powerpoint/2010/main">
+    <mc:Choice Requires="p14">
       <p:transition spd="slow" p14:dur="1600">
         <p14:conveyor dir="l"/>
       </p:transition>
     </mc:Choice>
-    <mc:Fallback>
+    <mc:Fallback xmlns="">
       <p:transition spd="slow">
         <p:fade/>
       </p:transition>
@@ -13099,13 +13099,13 @@
   <p:clrMapOvr>
     <a:masterClrMapping/>
   </p:clrMapOvr>
-  <mc:AlternateContent xmlns:mc="http://schemas.openxmlformats.org/markup-compatibility/2006">
-    <mc:Choice xmlns:p14="http://schemas.microsoft.com/office/powerpoint/2010/main" Requires="p14">
+  <mc:AlternateContent xmlns:mc="http://schemas.openxmlformats.org/markup-compatibility/2006" xmlns:p14="http://schemas.microsoft.com/office/powerpoint/2010/main">
+    <mc:Choice Requires="p14">
       <p:transition spd="slow" p14:dur="1600">
         <p14:conveyor dir="l"/>
       </p:transition>
     </mc:Choice>
-    <mc:Fallback>
+    <mc:Fallback xmlns="">
       <p:transition spd="slow">
         <p:fade/>
       </p:transition>
@@ -13473,13 +13473,13 @@
   <p:clrMapOvr>
     <a:masterClrMapping/>
   </p:clrMapOvr>
-  <mc:AlternateContent xmlns:mc="http://schemas.openxmlformats.org/markup-compatibility/2006">
-    <mc:Choice xmlns:p14="http://schemas.microsoft.com/office/powerpoint/2010/main" Requires="p14">
+  <mc:AlternateContent xmlns:mc="http://schemas.openxmlformats.org/markup-compatibility/2006" xmlns:p14="http://schemas.microsoft.com/office/powerpoint/2010/main">
+    <mc:Choice Requires="p14">
       <p:transition spd="slow" p14:dur="1600">
         <p14:conveyor dir="l"/>
       </p:transition>
     </mc:Choice>
-    <mc:Fallback>
+    <mc:Fallback xmlns="">
       <p:transition spd="slow">
         <p:fade/>
       </p:transition>
@@ -13976,13 +13976,13 @@
   <p:clrMapOvr>
     <a:masterClrMapping/>
   </p:clrMapOvr>
-  <mc:AlternateContent xmlns:mc="http://schemas.openxmlformats.org/markup-compatibility/2006">
-    <mc:Choice xmlns:p14="http://schemas.microsoft.com/office/powerpoint/2010/main" Requires="p14">
+  <mc:AlternateContent xmlns:mc="http://schemas.openxmlformats.org/markup-compatibility/2006" xmlns:p14="http://schemas.microsoft.com/office/powerpoint/2010/main">
+    <mc:Choice Requires="p14">
       <p:transition spd="slow" p14:dur="1600">
         <p14:conveyor dir="l"/>
       </p:transition>
     </mc:Choice>
-    <mc:Fallback>
+    <mc:Fallback xmlns="">
       <p:transition spd="slow">
         <p:fade/>
       </p:transition>
@@ -14221,13 +14221,13 @@
   <p:clrMapOvr>
     <a:masterClrMapping/>
   </p:clrMapOvr>
-  <mc:AlternateContent xmlns:mc="http://schemas.openxmlformats.org/markup-compatibility/2006">
-    <mc:Choice xmlns:p14="http://schemas.microsoft.com/office/powerpoint/2010/main" Requires="p14">
+  <mc:AlternateContent xmlns:mc="http://schemas.openxmlformats.org/markup-compatibility/2006" xmlns:p14="http://schemas.microsoft.com/office/powerpoint/2010/main">
+    <mc:Choice Requires="p14">
       <p:transition spd="slow" p14:dur="1600">
         <p14:conveyor dir="l"/>
       </p:transition>
     </mc:Choice>
-    <mc:Fallback>
+    <mc:Fallback xmlns="">
       <p:transition spd="slow">
         <p:fade/>
       </p:transition>
@@ -14595,13 +14595,13 @@
   <p:clrMapOvr>
     <a:masterClrMapping/>
   </p:clrMapOvr>
-  <mc:AlternateContent xmlns:mc="http://schemas.openxmlformats.org/markup-compatibility/2006">
-    <mc:Choice xmlns:p14="http://schemas.microsoft.com/office/powerpoint/2010/main" Requires="p14">
+  <mc:AlternateContent xmlns:mc="http://schemas.openxmlformats.org/markup-compatibility/2006" xmlns:p14="http://schemas.microsoft.com/office/powerpoint/2010/main">
+    <mc:Choice Requires="p14">
       <p:transition spd="slow" p14:dur="1600">
         <p14:conveyor dir="l"/>
       </p:transition>
     </mc:Choice>
-    <mc:Fallback>
+    <mc:Fallback xmlns="">
       <p:transition spd="slow">
         <p:fade/>
       </p:transition>
@@ -14840,13 +14840,13 @@
   <p:clrMapOvr>
     <a:masterClrMapping/>
   </p:clrMapOvr>
-  <mc:AlternateContent xmlns:mc="http://schemas.openxmlformats.org/markup-compatibility/2006">
-    <mc:Choice xmlns:p14="http://schemas.microsoft.com/office/powerpoint/2010/main" Requires="p14">
+  <mc:AlternateContent xmlns:mc="http://schemas.openxmlformats.org/markup-compatibility/2006" xmlns:p14="http://schemas.microsoft.com/office/powerpoint/2010/main">
+    <mc:Choice Requires="p14">
       <p:transition spd="slow" p14:dur="1600">
         <p14:conveyor dir="l"/>
       </p:transition>
     </mc:Choice>
-    <mc:Fallback>
+    <mc:Fallback xmlns="">
       <p:transition spd="slow">
         <p:fade/>
       </p:transition>
@@ -15410,13 +15410,13 @@
   <p:clrMapOvr>
     <a:masterClrMapping/>
   </p:clrMapOvr>
-  <mc:AlternateContent xmlns:mc="http://schemas.openxmlformats.org/markup-compatibility/2006">
-    <mc:Choice xmlns:p14="http://schemas.microsoft.com/office/powerpoint/2010/main" Requires="p14">
+  <mc:AlternateContent xmlns:mc="http://schemas.openxmlformats.org/markup-compatibility/2006" xmlns:p14="http://schemas.microsoft.com/office/powerpoint/2010/main">
+    <mc:Choice Requires="p14">
       <p:transition spd="slow" p14:dur="1600">
         <p14:conveyor dir="l"/>
       </p:transition>
     </mc:Choice>
-    <mc:Fallback>
+    <mc:Fallback xmlns="">
       <p:transition spd="slow">
         <p:fade/>
       </p:transition>
@@ -15570,13 +15570,13 @@
   <p:clrMapOvr>
     <a:masterClrMapping/>
   </p:clrMapOvr>
-  <mc:AlternateContent xmlns:mc="http://schemas.openxmlformats.org/markup-compatibility/2006">
-    <mc:Choice xmlns:p14="http://schemas.microsoft.com/office/powerpoint/2010/main" Requires="p14">
+  <mc:AlternateContent xmlns:mc="http://schemas.openxmlformats.org/markup-compatibility/2006" xmlns:p14="http://schemas.microsoft.com/office/powerpoint/2010/main">
+    <mc:Choice Requires="p14">
       <p:transition spd="slow" p14:dur="1600">
         <p14:conveyor dir="l"/>
       </p:transition>
     </mc:Choice>
-    <mc:Fallback>
+    <mc:Fallback xmlns="">
       <p:transition spd="slow">
         <p:fade/>
       </p:transition>
@@ -16164,13 +16164,13 @@
     <p:sldLayoutId id="2147483657" r:id="rId10"/>
     <p:sldLayoutId id="2147483658" r:id="rId11"/>
   </p:sldLayoutIdLst>
-  <mc:AlternateContent xmlns:mc="http://schemas.openxmlformats.org/markup-compatibility/2006">
-    <mc:Choice xmlns:p14="http://schemas.microsoft.com/office/powerpoint/2010/main" Requires="p14">
+  <mc:AlternateContent xmlns:mc="http://schemas.openxmlformats.org/markup-compatibility/2006" xmlns:p14="http://schemas.microsoft.com/office/powerpoint/2010/main">
+    <mc:Choice Requires="p14">
       <p:transition spd="slow" p14:dur="1600">
         <p14:conveyor dir="l"/>
       </p:transition>
     </mc:Choice>
-    <mc:Fallback>
+    <mc:Fallback xmlns="">
       <p:transition spd="slow">
         <p:fade/>
       </p:transition>
@@ -17918,13 +17918,13 @@
     <p:sldLayoutId id="2147483668" r:id="rId10"/>
     <p:sldLayoutId id="2147483669" r:id="rId11"/>
   </p:sldLayoutIdLst>
-  <mc:AlternateContent xmlns:mc="http://schemas.openxmlformats.org/markup-compatibility/2006">
-    <mc:Choice xmlns:p14="http://schemas.microsoft.com/office/powerpoint/2010/main" Requires="p14">
+  <mc:AlternateContent xmlns:mc="http://schemas.openxmlformats.org/markup-compatibility/2006" xmlns:p14="http://schemas.microsoft.com/office/powerpoint/2010/main">
+    <mc:Choice Requires="p14">
       <p:transition spd="slow" p14:dur="1600">
         <p14:conveyor dir="l"/>
       </p:transition>
     </mc:Choice>
-    <mc:Fallback>
+    <mc:Fallback xmlns="">
       <p:transition spd="slow">
         <p:fade/>
       </p:transition>
@@ -19662,13 +19662,13 @@
   <p:sldLayoutIdLst>
     <p:sldLayoutId id="2147483670" r:id="rId1"/>
   </p:sldLayoutIdLst>
-  <mc:AlternateContent xmlns:mc="http://schemas.openxmlformats.org/markup-compatibility/2006">
-    <mc:Choice xmlns:p14="http://schemas.microsoft.com/office/powerpoint/2010/main" Requires="p14">
+  <mc:AlternateContent xmlns:mc="http://schemas.openxmlformats.org/markup-compatibility/2006" xmlns:p14="http://schemas.microsoft.com/office/powerpoint/2010/main">
+    <mc:Choice Requires="p14">
       <p:transition spd="slow" p14:dur="1600">
         <p14:conveyor dir="l"/>
       </p:transition>
     </mc:Choice>
-    <mc:Fallback>
+    <mc:Fallback xmlns="">
       <p:transition spd="slow">
         <p:fade/>
       </p:transition>
@@ -20574,13 +20574,13 @@
   <p:clrMapOvr>
     <a:masterClrMapping/>
   </p:clrMapOvr>
-  <mc:AlternateContent xmlns:mc="http://schemas.openxmlformats.org/markup-compatibility/2006">
-    <mc:Choice xmlns:p14="http://schemas.microsoft.com/office/powerpoint/2010/main" Requires="p14">
+  <mc:AlternateContent xmlns:mc="http://schemas.openxmlformats.org/markup-compatibility/2006" xmlns:p14="http://schemas.microsoft.com/office/powerpoint/2010/main">
+    <mc:Choice Requires="p14">
       <p:transition spd="slow" p14:dur="1600">
         <p14:conveyor dir="l"/>
       </p:transition>
     </mc:Choice>
-    <mc:Fallback>
+    <mc:Fallback xmlns="">
       <p:transition spd="slow">
         <p:fade/>
       </p:transition>
@@ -21485,13 +21485,13 @@
   <p:clrMapOvr>
     <a:masterClrMapping/>
   </p:clrMapOvr>
-  <mc:AlternateContent xmlns:mc="http://schemas.openxmlformats.org/markup-compatibility/2006">
-    <mc:Choice xmlns:p14="http://schemas.microsoft.com/office/powerpoint/2010/main" Requires="p14">
+  <mc:AlternateContent xmlns:mc="http://schemas.openxmlformats.org/markup-compatibility/2006" xmlns:p14="http://schemas.microsoft.com/office/powerpoint/2010/main">
+    <mc:Choice Requires="p14">
       <p:transition spd="slow" p14:dur="1600">
         <p14:conveyor dir="l"/>
       </p:transition>
     </mc:Choice>
-    <mc:Fallback>
+    <mc:Fallback xmlns="">
       <p:transition spd="slow">
         <p:fade/>
       </p:transition>
@@ -21764,13 +21764,13 @@
   <p:clrMapOvr>
     <a:masterClrMapping/>
   </p:clrMapOvr>
-  <mc:AlternateContent xmlns:mc="http://schemas.openxmlformats.org/markup-compatibility/2006">
-    <mc:Choice xmlns:p14="http://schemas.microsoft.com/office/powerpoint/2010/main" Requires="p14">
+  <mc:AlternateContent xmlns:mc="http://schemas.openxmlformats.org/markup-compatibility/2006" xmlns:p14="http://schemas.microsoft.com/office/powerpoint/2010/main">
+    <mc:Choice Requires="p14">
       <p:transition spd="slow" p14:dur="1600">
         <p14:conveyor dir="l"/>
       </p:transition>
     </mc:Choice>
-    <mc:Fallback>
+    <mc:Fallback xmlns="">
       <p:transition spd="slow">
         <p:fade/>
       </p:transition>
@@ -22265,13 +22265,13 @@
   <p:clrMapOvr>
     <a:masterClrMapping/>
   </p:clrMapOvr>
-  <mc:AlternateContent xmlns:mc="http://schemas.openxmlformats.org/markup-compatibility/2006">
-    <mc:Choice xmlns:p14="http://schemas.microsoft.com/office/powerpoint/2010/main" Requires="p14">
+  <mc:AlternateContent xmlns:mc="http://schemas.openxmlformats.org/markup-compatibility/2006" xmlns:p14="http://schemas.microsoft.com/office/powerpoint/2010/main">
+    <mc:Choice Requires="p14">
       <p:transition spd="slow" p14:dur="1600">
         <p14:conveyor dir="l"/>
       </p:transition>
     </mc:Choice>
-    <mc:Fallback>
+    <mc:Fallback xmlns="">
       <p:transition spd="slow">
         <p:fade/>
       </p:transition>
@@ -22869,13 +22869,13 @@
   <p:clrMapOvr>
     <a:masterClrMapping/>
   </p:clrMapOvr>
-  <mc:AlternateContent xmlns:mc="http://schemas.openxmlformats.org/markup-compatibility/2006">
-    <mc:Choice xmlns:p14="http://schemas.microsoft.com/office/powerpoint/2010/main" Requires="p14">
+  <mc:AlternateContent xmlns:mc="http://schemas.openxmlformats.org/markup-compatibility/2006" xmlns:p14="http://schemas.microsoft.com/office/powerpoint/2010/main">
+    <mc:Choice Requires="p14">
       <p:transition spd="slow" p14:dur="1600">
         <p14:conveyor dir="l"/>
       </p:transition>
     </mc:Choice>
-    <mc:Fallback>
+    <mc:Fallback xmlns="">
       <p:transition spd="slow">
         <p:fade/>
       </p:transition>
@@ -23472,13 +23472,13 @@
   <p:clrMapOvr>
     <a:masterClrMapping/>
   </p:clrMapOvr>
-  <mc:AlternateContent xmlns:mc="http://schemas.openxmlformats.org/markup-compatibility/2006">
-    <mc:Choice xmlns:p14="http://schemas.microsoft.com/office/powerpoint/2010/main" Requires="p14">
+  <mc:AlternateContent xmlns:mc="http://schemas.openxmlformats.org/markup-compatibility/2006" xmlns:p14="http://schemas.microsoft.com/office/powerpoint/2010/main">
+    <mc:Choice Requires="p14">
       <p:transition spd="slow" p14:dur="1600">
         <p14:conveyor dir="l"/>
       </p:transition>
     </mc:Choice>
-    <mc:Fallback>
+    <mc:Fallback xmlns="">
       <p:transition spd="slow">
         <p:fade/>
       </p:transition>
@@ -24228,13 +24228,13 @@
   <p:clrMapOvr>
     <a:masterClrMapping/>
   </p:clrMapOvr>
-  <mc:AlternateContent xmlns:mc="http://schemas.openxmlformats.org/markup-compatibility/2006">
-    <mc:Choice xmlns:p14="http://schemas.microsoft.com/office/powerpoint/2010/main" Requires="p14">
+  <mc:AlternateContent xmlns:mc="http://schemas.openxmlformats.org/markup-compatibility/2006" xmlns:p14="http://schemas.microsoft.com/office/powerpoint/2010/main">
+    <mc:Choice Requires="p14">
       <p:transition spd="slow" p14:dur="1600">
         <p14:conveyor dir="l"/>
       </p:transition>
     </mc:Choice>
-    <mc:Fallback>
+    <mc:Fallback xmlns="">
       <p:transition spd="slow">
         <p:fade/>
       </p:transition>
@@ -25032,13 +25032,13 @@
   <p:clrMapOvr>
     <a:overrideClrMapping bg1="dk1" tx1="lt1" bg2="dk2" tx2="lt2" accent1="accent1" accent2="accent2" accent3="accent3" accent4="accent4" accent5="accent5" accent6="accent6" hlink="hlink" folHlink="folHlink"/>
   </p:clrMapOvr>
-  <mc:AlternateContent xmlns:mc="http://schemas.openxmlformats.org/markup-compatibility/2006">
-    <mc:Choice xmlns:p14="http://schemas.microsoft.com/office/powerpoint/2010/main" Requires="p14">
+  <mc:AlternateContent xmlns:mc="http://schemas.openxmlformats.org/markup-compatibility/2006" xmlns:p14="http://schemas.microsoft.com/office/powerpoint/2010/main">
+    <mc:Choice Requires="p14">
       <p:transition spd="slow" p14:dur="1600">
         <p14:conveyor dir="l"/>
       </p:transition>
     </mc:Choice>
-    <mc:Fallback>
+    <mc:Fallback xmlns="">
       <p:transition spd="slow">
         <p:fade/>
       </p:transition>
@@ -25278,36 +25278,33 @@
       </p:cxnSp>
       <p:sp>
         <p:nvSpPr>
-          <p:cNvPr id="208" name="Google Shape;208;p35"/>
+          <p:cNvPr id="2" name="TextBox 1">
+            <a:extLst>
+              <a:ext uri="{FF2B5EF4-FFF2-40B4-BE49-F238E27FC236}">
+                <a16:creationId xmlns:a16="http://schemas.microsoft.com/office/drawing/2014/main" id="{4CFDBCD4-8274-D946-AAEE-121726B8EE1E}"/>
+              </a:ext>
+            </a:extLst>
+          </p:cNvPr>
           <p:cNvSpPr txBox="1"/>
           <p:nvPr/>
         </p:nvSpPr>
         <p:spPr>
           <a:xfrm>
-            <a:off x="314025" y="1808350"/>
-            <a:ext cx="3984900" cy="2923800"/>
+            <a:off x="540025" y="1721799"/>
+            <a:ext cx="3391895" cy="3108543"/>
           </a:xfrm>
           <a:prstGeom prst="rect">
             <a:avLst/>
           </a:prstGeom>
           <a:noFill/>
-          <a:ln>
-            <a:noFill/>
-          </a:ln>
         </p:spPr>
         <p:txBody>
-          <a:bodyPr spcFirstLastPara="1" wrap="square" lIns="91425" tIns="91425" rIns="91425" bIns="91425" anchor="t" anchorCtr="0">
-            <a:noAutofit/>
+          <a:bodyPr wrap="square" rtlCol="0">
+            <a:spAutoFit/>
           </a:bodyPr>
           <a:lstStyle/>
           <a:p>
-            <a:pPr marL="425450" lvl="0" indent="-285750" algn="l" rtl="0">
-              <a:spcBef>
-                <a:spcPts val="0"/>
-              </a:spcBef>
-              <a:spcAft>
-                <a:spcPts val="0"/>
-              </a:spcAft>
+            <a:pPr marL="425450" lvl="0" indent="-285750">
               <a:buSzPts val="1400"/>
               <a:buFont typeface="Arial" panose="020B0604020202020204" pitchFamily="34" charset="0"/>
               <a:buChar char="•"/>
@@ -25323,13 +25320,7 @@
             </a:r>
           </a:p>
           <a:p>
-            <a:pPr marL="425450" lvl="0" indent="-285750" algn="l" rtl="0">
-              <a:spcBef>
-                <a:spcPts val="0"/>
-              </a:spcBef>
-              <a:spcAft>
-                <a:spcPts val="0"/>
-              </a:spcAft>
+            <a:pPr marL="425450" lvl="0" indent="-285750">
               <a:buSzPts val="1400"/>
               <a:buFont typeface="Arial" panose="020B0604020202020204" pitchFamily="34" charset="0"/>
               <a:buChar char="•"/>
@@ -25345,13 +25336,7 @@
             </a:r>
           </a:p>
           <a:p>
-            <a:pPr marL="425450" lvl="0" indent="-285750" algn="l" rtl="0">
-              <a:spcBef>
-                <a:spcPts val="0"/>
-              </a:spcBef>
-              <a:spcAft>
-                <a:spcPts val="0"/>
-              </a:spcAft>
+            <a:pPr marL="425450" lvl="0" indent="-285750">
               <a:buSzPts val="1400"/>
               <a:buFont typeface="Arial" panose="020B0604020202020204" pitchFamily="34" charset="0"/>
               <a:buChar char="•"/>
@@ -25367,13 +25352,7 @@
             </a:r>
           </a:p>
           <a:p>
-            <a:pPr marL="425450" lvl="0" indent="-285750" algn="l" rtl="0">
-              <a:spcBef>
-                <a:spcPts val="0"/>
-              </a:spcBef>
-              <a:spcAft>
-                <a:spcPts val="0"/>
-              </a:spcAft>
+            <a:pPr marL="425450" lvl="0" indent="-285750">
               <a:buSzPts val="1400"/>
               <a:buFont typeface="Arial" panose="020B0604020202020204" pitchFamily="34" charset="0"/>
               <a:buChar char="•"/>
@@ -25387,12 +25366,9 @@
               </a:rPr>
               <a:t>There’s a long way to go before they should be deployed </a:t>
             </a:r>
-            <a:endParaRPr dirty="0">
-              <a:latin typeface="Calibri"/>
-              <a:ea typeface="Calibri"/>
-              <a:cs typeface="Calibri"/>
-              <a:sym typeface="Calibri"/>
-            </a:endParaRPr>
+          </a:p>
+          <a:p>
+            <a:endParaRPr lang="en-GB" dirty="0"/>
           </a:p>
         </p:txBody>
       </p:sp>
@@ -25401,13 +25377,13 @@
   <p:clrMapOvr>
     <a:masterClrMapping/>
   </p:clrMapOvr>
-  <mc:AlternateContent xmlns:mc="http://schemas.openxmlformats.org/markup-compatibility/2006">
-    <mc:Choice xmlns:p14="http://schemas.microsoft.com/office/powerpoint/2010/main" Requires="p14">
+  <mc:AlternateContent xmlns:mc="http://schemas.openxmlformats.org/markup-compatibility/2006" xmlns:p14="http://schemas.microsoft.com/office/powerpoint/2010/main">
+    <mc:Choice Requires="p14">
       <p:transition spd="slow" p14:dur="1600">
         <p14:conveyor dir="l"/>
       </p:transition>
     </mc:Choice>
-    <mc:Fallback>
+    <mc:Fallback xmlns="">
       <p:transition spd="slow">
         <p:fade/>
       </p:transition>
@@ -25434,7 +25410,7 @@
                             </p:stCondLst>
                             <p:childTnLst>
                               <p:par>
-                                <p:cTn id="5" presetID="1" presetClass="entr" presetSubtype="0" fill="hold" grpId="0" nodeType="clickEffect">
+                                <p:cTn id="5" presetID="1" presetClass="entr" presetSubtype="0" fill="hold" nodeType="clickEffect">
                                   <p:stCondLst>
                                     <p:cond delay="0"/>
                                   </p:stCondLst>
@@ -25447,7 +25423,158 @@
                                           </p:stCondLst>
                                         </p:cTn>
                                         <p:tgtEl>
-                                          <p:spTgt spid="208"/>
+                                          <p:spTgt spid="2">
+                                            <p:txEl>
+                                              <p:pRg st="0" end="0"/>
+                                            </p:txEl>
+                                          </p:spTgt>
+                                        </p:tgtEl>
+                                        <p:attrNameLst>
+                                          <p:attrName>style.visibility</p:attrName>
+                                        </p:attrNameLst>
+                                      </p:cBhvr>
+                                      <p:to>
+                                        <p:strVal val="visible"/>
+                                      </p:to>
+                                    </p:set>
+                                  </p:childTnLst>
+                                </p:cTn>
+                              </p:par>
+                            </p:childTnLst>
+                          </p:cTn>
+                        </p:par>
+                      </p:childTnLst>
+                    </p:cTn>
+                  </p:par>
+                  <p:par>
+                    <p:cTn id="7" fill="hold">
+                      <p:stCondLst>
+                        <p:cond delay="indefinite"/>
+                      </p:stCondLst>
+                      <p:childTnLst>
+                        <p:par>
+                          <p:cTn id="8" fill="hold">
+                            <p:stCondLst>
+                              <p:cond delay="0"/>
+                            </p:stCondLst>
+                            <p:childTnLst>
+                              <p:par>
+                                <p:cTn id="9" presetID="1" presetClass="entr" presetSubtype="0" fill="hold" nodeType="clickEffect">
+                                  <p:stCondLst>
+                                    <p:cond delay="0"/>
+                                  </p:stCondLst>
+                                  <p:childTnLst>
+                                    <p:set>
+                                      <p:cBhvr>
+                                        <p:cTn id="10" dur="1" fill="hold">
+                                          <p:stCondLst>
+                                            <p:cond delay="0"/>
+                                          </p:stCondLst>
+                                        </p:cTn>
+                                        <p:tgtEl>
+                                          <p:spTgt spid="2">
+                                            <p:txEl>
+                                              <p:pRg st="1" end="1"/>
+                                            </p:txEl>
+                                          </p:spTgt>
+                                        </p:tgtEl>
+                                        <p:attrNameLst>
+                                          <p:attrName>style.visibility</p:attrName>
+                                        </p:attrNameLst>
+                                      </p:cBhvr>
+                                      <p:to>
+                                        <p:strVal val="visible"/>
+                                      </p:to>
+                                    </p:set>
+                                  </p:childTnLst>
+                                </p:cTn>
+                              </p:par>
+                            </p:childTnLst>
+                          </p:cTn>
+                        </p:par>
+                      </p:childTnLst>
+                    </p:cTn>
+                  </p:par>
+                  <p:par>
+                    <p:cTn id="11" fill="hold">
+                      <p:stCondLst>
+                        <p:cond delay="indefinite"/>
+                      </p:stCondLst>
+                      <p:childTnLst>
+                        <p:par>
+                          <p:cTn id="12" fill="hold">
+                            <p:stCondLst>
+                              <p:cond delay="0"/>
+                            </p:stCondLst>
+                            <p:childTnLst>
+                              <p:par>
+                                <p:cTn id="13" presetID="1" presetClass="entr" presetSubtype="0" fill="hold" nodeType="clickEffect">
+                                  <p:stCondLst>
+                                    <p:cond delay="0"/>
+                                  </p:stCondLst>
+                                  <p:childTnLst>
+                                    <p:set>
+                                      <p:cBhvr>
+                                        <p:cTn id="14" dur="1" fill="hold">
+                                          <p:stCondLst>
+                                            <p:cond delay="0"/>
+                                          </p:stCondLst>
+                                        </p:cTn>
+                                        <p:tgtEl>
+                                          <p:spTgt spid="2">
+                                            <p:txEl>
+                                              <p:pRg st="2" end="2"/>
+                                            </p:txEl>
+                                          </p:spTgt>
+                                        </p:tgtEl>
+                                        <p:attrNameLst>
+                                          <p:attrName>style.visibility</p:attrName>
+                                        </p:attrNameLst>
+                                      </p:cBhvr>
+                                      <p:to>
+                                        <p:strVal val="visible"/>
+                                      </p:to>
+                                    </p:set>
+                                  </p:childTnLst>
+                                </p:cTn>
+                              </p:par>
+                            </p:childTnLst>
+                          </p:cTn>
+                        </p:par>
+                      </p:childTnLst>
+                    </p:cTn>
+                  </p:par>
+                  <p:par>
+                    <p:cTn id="15" fill="hold">
+                      <p:stCondLst>
+                        <p:cond delay="indefinite"/>
+                      </p:stCondLst>
+                      <p:childTnLst>
+                        <p:par>
+                          <p:cTn id="16" fill="hold">
+                            <p:stCondLst>
+                              <p:cond delay="0"/>
+                            </p:stCondLst>
+                            <p:childTnLst>
+                              <p:par>
+                                <p:cTn id="17" presetID="1" presetClass="entr" presetSubtype="0" fill="hold" nodeType="clickEffect">
+                                  <p:stCondLst>
+                                    <p:cond delay="0"/>
+                                  </p:stCondLst>
+                                  <p:childTnLst>
+                                    <p:set>
+                                      <p:cBhvr>
+                                        <p:cTn id="18" dur="1" fill="hold">
+                                          <p:stCondLst>
+                                            <p:cond delay="0"/>
+                                          </p:stCondLst>
+                                        </p:cTn>
+                                        <p:tgtEl>
+                                          <p:spTgt spid="2">
+                                            <p:txEl>
+                                              <p:pRg st="3" end="3"/>
+                                            </p:txEl>
+                                          </p:spTgt>
                                         </p:tgtEl>
                                         <p:attrNameLst>
                                           <p:attrName>style.visibility</p:attrName>
@@ -25487,9 +25614,6 @@
         </p:cTn>
       </p:par>
     </p:tnLst>
-    <p:bldLst>
-      <p:bldP spid="208" grpId="0"/>
-    </p:bldLst>
   </p:timing>
 </p:sld>
 </file>
@@ -25722,16 +25846,7 @@
                 </a:solidFill>
                 <a:hlinkClick r:id="rId4"/>
               </a:rPr>
-              <a:t>O</a:t>
-            </a:r>
-            <a:r>
-              <a:rPr lang="en-GB" sz="1500" u="sng" dirty="0">
-                <a:solidFill>
-                  <a:schemeClr val="hlink"/>
-                </a:solidFill>
-                <a:hlinkClick r:id="rId4"/>
-              </a:rPr>
-              <a:t>rganisation established to ban fully autonomous weapons</a:t>
+              <a:t>Organisation established to ban fully autonomous weapons</a:t>
             </a:r>
             <a:r>
               <a:rPr lang="en-GB" sz="1500" dirty="0"/>
@@ -26268,13 +26383,13 @@
   <p:clrMapOvr>
     <a:masterClrMapping/>
   </p:clrMapOvr>
-  <mc:AlternateContent xmlns:mc="http://schemas.openxmlformats.org/markup-compatibility/2006">
-    <mc:Choice xmlns:p14="http://schemas.microsoft.com/office/powerpoint/2010/main" Requires="p14">
+  <mc:AlternateContent xmlns:mc="http://schemas.openxmlformats.org/markup-compatibility/2006" xmlns:p14="http://schemas.microsoft.com/office/powerpoint/2010/main">
+    <mc:Choice Requires="p14">
       <p:transition spd="slow" p14:dur="1600">
         <p14:conveyor dir="l"/>
       </p:transition>
     </mc:Choice>
-    <mc:Fallback>
+    <mc:Fallback xmlns="">
       <p:transition spd="slow">
         <p:fade/>
       </p:transition>
